--- a/ClassMaterials/ProceduralAbstraction/10-ProceduralAbstraction-202120.pptx
+++ b/ClassMaterials/ProceduralAbstraction/10-ProceduralAbstraction-202120.pptx
@@ -5,17 +5,19 @@
     <p:sldMasterId id="2147483695" r:id="rId1"/>
   </p:sldMasterIdLst>
   <p:notesMasterIdLst>
-    <p:notesMasterId r:id="rId7"/>
+    <p:notesMasterId r:id="rId9"/>
   </p:notesMasterIdLst>
   <p:handoutMasterIdLst>
-    <p:handoutMasterId r:id="rId8"/>
+    <p:handoutMasterId r:id="rId10"/>
   </p:handoutMasterIdLst>
   <p:sldIdLst>
     <p:sldId id="257" r:id="rId2"/>
     <p:sldId id="347" r:id="rId3"/>
     <p:sldId id="359" r:id="rId4"/>
-    <p:sldId id="360" r:id="rId5"/>
-    <p:sldId id="358" r:id="rId6"/>
+    <p:sldId id="361" r:id="rId5"/>
+    <p:sldId id="360" r:id="rId6"/>
+    <p:sldId id="362" r:id="rId7"/>
+    <p:sldId id="349" r:id="rId8"/>
   </p:sldIdLst>
   <p:sldSz cx="12192000" cy="6858000"/>
   <p:notesSz cx="7315200" cy="9601200"/>
@@ -161,6 +163,88 @@
     </p:ext>
   </p:extLst>
 </p:presentation>
+</file>
+
+<file path=ppt/revisionInfo.xml><?xml version="1.0" encoding="utf-8"?>
+<p1510:revInfo xmlns:a="http://schemas.openxmlformats.org/drawingml/2006/main" xmlns:r="http://schemas.openxmlformats.org/officeDocument/2006/relationships" xmlns:p1510="http://schemas.microsoft.com/office/powerpoint/2015/10/main">
+  <p1510:revLst>
+    <p1510:client id="{553863DB-60B5-45E5-9DD8-56D26E4D69B6}" v="1" dt="2021-09-17T13:51:32.650"/>
+  </p1510:revLst>
+</p1510:revInfo>
+</file>
+
+<file path=ppt/changesInfos/changesInfo1.xml><?xml version="1.0" encoding="utf-8"?>
+<pc:chgInfo xmlns:a="http://schemas.openxmlformats.org/drawingml/2006/main" xmlns:r="http://schemas.openxmlformats.org/officeDocument/2006/relationships" xmlns:ac="http://schemas.microsoft.com/office/drawing/2013/main/command" xmlns:pc="http://schemas.microsoft.com/office/powerpoint/2013/main/command">
+  <pc:docChgLst>
+    <pc:chgData name="Hewner, Mike" userId="7f3f83dd-6dfb-4127-a87f-c1714bd4fac9" providerId="ADAL" clId="{553863DB-60B5-45E5-9DD8-56D26E4D69B6}"/>
+    <pc:docChg chg="custSel addSld delSld modSld">
+      <pc:chgData name="Hewner, Mike" userId="7f3f83dd-6dfb-4127-a87f-c1714bd4fac9" providerId="ADAL" clId="{553863DB-60B5-45E5-9DD8-56D26E4D69B6}" dt="2021-09-17T14:51:08.978" v="721" actId="404"/>
+      <pc:docMkLst>
+        <pc:docMk/>
+      </pc:docMkLst>
+      <pc:sldChg chg="del">
+        <pc:chgData name="Hewner, Mike" userId="7f3f83dd-6dfb-4127-a87f-c1714bd4fac9" providerId="ADAL" clId="{553863DB-60B5-45E5-9DD8-56D26E4D69B6}" dt="2021-09-17T13:51:02.481" v="0" actId="47"/>
+        <pc:sldMkLst>
+          <pc:docMk/>
+          <pc:sldMk cId="0" sldId="358"/>
+        </pc:sldMkLst>
+      </pc:sldChg>
+      <pc:sldChg chg="modSp mod">
+        <pc:chgData name="Hewner, Mike" userId="7f3f83dd-6dfb-4127-a87f-c1714bd4fac9" providerId="ADAL" clId="{553863DB-60B5-45E5-9DD8-56D26E4D69B6}" dt="2021-09-17T13:51:40.991" v="1" actId="14100"/>
+        <pc:sldMkLst>
+          <pc:docMk/>
+          <pc:sldMk cId="1916351065" sldId="359"/>
+        </pc:sldMkLst>
+        <pc:picChg chg="mod">
+          <ac:chgData name="Hewner, Mike" userId="7f3f83dd-6dfb-4127-a87f-c1714bd4fac9" providerId="ADAL" clId="{553863DB-60B5-45E5-9DD8-56D26E4D69B6}" dt="2021-09-17T13:51:40.991" v="1" actId="14100"/>
+          <ac:picMkLst>
+            <pc:docMk/>
+            <pc:sldMk cId="1916351065" sldId="359"/>
+            <ac:picMk id="5" creationId="{5D0CC8DE-3A5B-4652-9AE0-8EB04A72680D}"/>
+          </ac:picMkLst>
+        </pc:picChg>
+      </pc:sldChg>
+      <pc:sldChg chg="addSp modSp new mod">
+        <pc:chgData name="Hewner, Mike" userId="7f3f83dd-6dfb-4127-a87f-c1714bd4fac9" providerId="ADAL" clId="{553863DB-60B5-45E5-9DD8-56D26E4D69B6}" dt="2021-09-17T14:45:23.374" v="5" actId="14100"/>
+        <pc:sldMkLst>
+          <pc:docMk/>
+          <pc:sldMk cId="3716768807" sldId="361"/>
+        </pc:sldMkLst>
+        <pc:picChg chg="add mod">
+          <ac:chgData name="Hewner, Mike" userId="7f3f83dd-6dfb-4127-a87f-c1714bd4fac9" providerId="ADAL" clId="{553863DB-60B5-45E5-9DD8-56D26E4D69B6}" dt="2021-09-17T14:45:23.374" v="5" actId="14100"/>
+          <ac:picMkLst>
+            <pc:docMk/>
+            <pc:sldMk cId="3716768807" sldId="361"/>
+            <ac:picMk id="3" creationId="{6FA7A389-AC90-40FF-9136-BDF9446C77E9}"/>
+          </ac:picMkLst>
+        </pc:picChg>
+      </pc:sldChg>
+      <pc:sldChg chg="modSp new mod">
+        <pc:chgData name="Hewner, Mike" userId="7f3f83dd-6dfb-4127-a87f-c1714bd4fac9" providerId="ADAL" clId="{553863DB-60B5-45E5-9DD8-56D26E4D69B6}" dt="2021-09-17T14:51:08.978" v="721" actId="404"/>
+        <pc:sldMkLst>
+          <pc:docMk/>
+          <pc:sldMk cId="1258154453" sldId="362"/>
+        </pc:sldMkLst>
+        <pc:spChg chg="mod">
+          <ac:chgData name="Hewner, Mike" userId="7f3f83dd-6dfb-4127-a87f-c1714bd4fac9" providerId="ADAL" clId="{553863DB-60B5-45E5-9DD8-56D26E4D69B6}" dt="2021-09-17T14:45:56.355" v="32" actId="20577"/>
+          <ac:spMkLst>
+            <pc:docMk/>
+            <pc:sldMk cId="1258154453" sldId="362"/>
+            <ac:spMk id="2" creationId="{5F7E5CD9-C4CE-482C-97B2-BDBFE83B986D}"/>
+          </ac:spMkLst>
+        </pc:spChg>
+        <pc:spChg chg="mod">
+          <ac:chgData name="Hewner, Mike" userId="7f3f83dd-6dfb-4127-a87f-c1714bd4fac9" providerId="ADAL" clId="{553863DB-60B5-45E5-9DD8-56D26E4D69B6}" dt="2021-09-17T14:51:08.978" v="721" actId="404"/>
+          <ac:spMkLst>
+            <pc:docMk/>
+            <pc:sldMk cId="1258154453" sldId="362"/>
+            <ac:spMk id="3" creationId="{242554CC-77D4-4BDD-9CEE-0C65CF6C05C8}"/>
+          </ac:spMkLst>
+        </pc:spChg>
+      </pc:sldChg>
+    </pc:docChg>
+  </pc:docChgLst>
+</pc:chgInfo>
 </file>
 
 <file path=ppt/handoutMasters/handoutMaster1.xml><?xml version="1.0" encoding="utf-8"?>
@@ -1001,6 +1085,117 @@
     <p:extLst>
       <p:ext uri="{BB962C8B-B14F-4D97-AF65-F5344CB8AC3E}">
         <p14:creationId xmlns:p14="http://schemas.microsoft.com/office/powerpoint/2010/main" val="1048058191"/>
+      </p:ext>
+    </p:extLst>
+  </p:cSld>
+  <p:clrMapOvr>
+    <a:masterClrMapping/>
+  </p:clrMapOvr>
+</p:notes>
+</file>
+
+<file path=ppt/notesSlides/notesSlide3.xml><?xml version="1.0" encoding="utf-8"?>
+<p:notes xmlns:a="http://schemas.openxmlformats.org/drawingml/2006/main" xmlns:r="http://schemas.openxmlformats.org/officeDocument/2006/relationships" xmlns:p="http://schemas.openxmlformats.org/presentationml/2006/main">
+  <p:cSld>
+    <p:spTree>
+      <p:nvGrpSpPr>
+        <p:cNvPr id="1" name=""/>
+        <p:cNvGrpSpPr/>
+        <p:nvPr/>
+      </p:nvGrpSpPr>
+      <p:grpSpPr>
+        <a:xfrm>
+          <a:off x="0" y="0"/>
+          <a:ext cx="0" cy="0"/>
+          <a:chOff x="0" y="0"/>
+          <a:chExt cx="0" cy="0"/>
+        </a:xfrm>
+      </p:grpSpPr>
+      <p:sp>
+        <p:nvSpPr>
+          <p:cNvPr id="7" name="Rectangle 7"/>
+          <p:cNvSpPr>
+            <a:spLocks noGrp="1" noChangeArrowheads="1"/>
+          </p:cNvSpPr>
+          <p:nvPr>
+            <p:ph type="sldNum" sz="quarter" idx="5"/>
+          </p:nvPr>
+        </p:nvSpPr>
+        <p:spPr>
+          <a:ln/>
+        </p:spPr>
+        <p:txBody>
+          <a:bodyPr/>
+          <a:lstStyle/>
+          <a:p>
+            <a:fld id="{037D7685-9D7A-447A-B748-619AA8CFA85B}" type="slidenum">
+              <a:rPr lang="en-US"/>
+              <a:pPr/>
+              <a:t>7</a:t>
+            </a:fld>
+            <a:endParaRPr lang="en-US"/>
+          </a:p>
+        </p:txBody>
+      </p:sp>
+      <p:sp>
+        <p:nvSpPr>
+          <p:cNvPr id="429058" name="Rectangle 2"/>
+          <p:cNvSpPr>
+            <a:spLocks noGrp="1" noRot="1" noChangeAspect="1" noChangeArrowheads="1" noTextEdit="1"/>
+          </p:cNvSpPr>
+          <p:nvPr>
+            <p:ph type="sldImg"/>
+          </p:nvPr>
+        </p:nvSpPr>
+        <p:spPr>
+          <a:ln/>
+        </p:spPr>
+      </p:sp>
+      <p:sp>
+        <p:nvSpPr>
+          <p:cNvPr id="429059" name="Rectangle 3"/>
+          <p:cNvSpPr>
+            <a:spLocks noGrp="1" noChangeArrowheads="1"/>
+          </p:cNvSpPr>
+          <p:nvPr>
+            <p:ph type="body" idx="1"/>
+          </p:nvPr>
+        </p:nvSpPr>
+        <p:spPr/>
+        <p:txBody>
+          <a:bodyPr/>
+          <a:lstStyle/>
+          <a:p>
+            <a:r>
+              <a:rPr lang="en-US" dirty="0"/>
+              <a:t>(define reverse (list-recur '() (lambda (x y) (append y (list x)))))</a:t>
+            </a:r>
+          </a:p>
+          <a:p>
+            <a:endParaRPr lang="en-US" dirty="0"/>
+          </a:p>
+          <a:p>
+            <a:r>
+              <a:rPr lang="en-US" dirty="0"/>
+              <a:t>Don't</a:t>
+            </a:r>
+            <a:r>
+              <a:rPr lang="en-US" baseline="0" dirty="0"/>
+              <a:t> print this slide on the website until after class.</a:t>
+            </a:r>
+          </a:p>
+          <a:p>
+            <a:endParaRPr lang="en-US" baseline="0" dirty="0"/>
+          </a:p>
+          <a:p>
+            <a:endParaRPr lang="en-US" dirty="0"/>
+          </a:p>
+        </p:txBody>
+      </p:sp>
+    </p:spTree>
+    <p:extLst>
+      <p:ext uri="{BB962C8B-B14F-4D97-AF65-F5344CB8AC3E}">
+        <p14:creationId xmlns:p14="http://schemas.microsoft.com/office/powerpoint/2010/main" val="2434989778"/>
       </p:ext>
     </p:extLst>
   </p:cSld>
@@ -7034,7 +7229,7 @@
         <p:spPr>
           <a:xfrm>
             <a:off x="13447" y="26894"/>
-            <a:ext cx="7682753" cy="4584324"/>
+            <a:ext cx="11187953" cy="6675888"/>
           </a:xfrm>
           <a:prstGeom prst="rect">
             <a:avLst/>
@@ -7106,108 +7301,40 @@
           <a:chExt cx="0" cy="0"/>
         </a:xfrm>
       </p:grpSpPr>
-      <p:sp>
-        <p:nvSpPr>
-          <p:cNvPr id="2" name="Title 1">
+      <p:pic>
+        <p:nvPicPr>
+          <p:cNvPr id="3" name="Picture 2">
             <a:extLst>
               <a:ext uri="{FF2B5EF4-FFF2-40B4-BE49-F238E27FC236}">
-                <a16:creationId xmlns:a16="http://schemas.microsoft.com/office/drawing/2014/main" id="{C2428361-E96A-466A-85A4-5589FEE00974}"/>
+                <a16:creationId xmlns:a16="http://schemas.microsoft.com/office/drawing/2014/main" id="{6FA7A389-AC90-40FF-9136-BDF9446C77E9}"/>
               </a:ext>
             </a:extLst>
           </p:cNvPr>
-          <p:cNvSpPr>
-            <a:spLocks noGrp="1"/>
-          </p:cNvSpPr>
-          <p:nvPr>
-            <p:ph type="title"/>
-          </p:nvPr>
-        </p:nvSpPr>
-        <p:spPr/>
-        <p:txBody>
-          <a:bodyPr/>
-          <a:lstStyle/>
-          <a:p>
-            <a:r>
-              <a:rPr lang="en-US" dirty="0"/>
-              <a:t>Follow-up</a:t>
-            </a:r>
-          </a:p>
-        </p:txBody>
-      </p:sp>
-      <p:sp>
-        <p:nvSpPr>
-          <p:cNvPr id="3" name="Content Placeholder 2">
-            <a:extLst>
-              <a:ext uri="{FF2B5EF4-FFF2-40B4-BE49-F238E27FC236}">
-                <a16:creationId xmlns:a16="http://schemas.microsoft.com/office/drawing/2014/main" id="{3FFD66CF-CFF3-468B-BBF7-C2D8892317FD}"/>
-              </a:ext>
-            </a:extLst>
-          </p:cNvPr>
-          <p:cNvSpPr>
-            <a:spLocks noGrp="1"/>
-          </p:cNvSpPr>
-          <p:nvPr>
-            <p:ph idx="1"/>
-          </p:nvPr>
-        </p:nvSpPr>
-        <p:spPr/>
-        <p:txBody>
-          <a:bodyPr/>
-          <a:lstStyle/>
-          <a:p>
-            <a:r>
-              <a:rPr lang="en-US" dirty="0"/>
-              <a:t>Of the five procedures, four are good to write using list-recur.  The other is not so good.  Which one, and why?</a:t>
-            </a:r>
-          </a:p>
-          <a:p>
-            <a:r>
-              <a:rPr lang="en-US" dirty="0"/>
-              <a:t>Come up with another example that is easier to write with list-recur than to write it directly.</a:t>
-            </a:r>
-          </a:p>
-          <a:p>
-            <a:r>
-              <a:rPr lang="en-US" dirty="0"/>
-              <a:t>Assignment 9.</a:t>
-            </a:r>
-          </a:p>
-          <a:p>
-            <a:pPr lvl="1"/>
-            <a:r>
-              <a:rPr lang="en-US" dirty="0"/>
-              <a:t>Write snlist-recur, which similarly abstracts over s-lists, and use it to write several procedures.</a:t>
-            </a:r>
-          </a:p>
-          <a:p>
-            <a:pPr lvl="1"/>
-            <a:r>
-              <a:rPr lang="en-US" dirty="0"/>
-              <a:t>Write </a:t>
-            </a:r>
-            <a:r>
-              <a:rPr lang="en-US" dirty="0" err="1"/>
-              <a:t>bt</a:t>
-            </a:r>
-            <a:r>
-              <a:rPr lang="en-US" dirty="0"/>
-              <a:t>-recur, which abstracts “</a:t>
-            </a:r>
-            <a:r>
-              <a:rPr lang="en-US" dirty="0" err="1"/>
-              <a:t>bt</a:t>
-            </a:r>
-            <a:r>
-              <a:rPr lang="en-US" dirty="0"/>
-              <a:t>” functions, and use it to write two procedures.</a:t>
-            </a:r>
-          </a:p>
-        </p:txBody>
-      </p:sp>
+          <p:cNvPicPr>
+            <a:picLocks noChangeAspect="1"/>
+          </p:cNvPicPr>
+          <p:nvPr/>
+        </p:nvPicPr>
+        <p:blipFill>
+          <a:blip r:embed="rId2"/>
+          <a:stretch>
+            <a:fillRect/>
+          </a:stretch>
+        </p:blipFill>
+        <p:spPr>
+          <a:xfrm>
+            <a:off x="990600" y="381000"/>
+            <a:ext cx="9345094" cy="3276600"/>
+          </a:xfrm>
+          <a:prstGeom prst="rect">
+            <a:avLst/>
+          </a:prstGeom>
+        </p:spPr>
+      </p:pic>
     </p:spTree>
     <p:extLst>
       <p:ext uri="{BB962C8B-B14F-4D97-AF65-F5344CB8AC3E}">
-        <p14:creationId xmlns:p14="http://schemas.microsoft.com/office/powerpoint/2010/main" val="3556335133"/>
+        <p14:creationId xmlns:p14="http://schemas.microsoft.com/office/powerpoint/2010/main" val="3716768807"/>
       </p:ext>
     </p:extLst>
   </p:cSld>
@@ -7218,7 +7345,7 @@
 </file>
 
 <file path=ppt/slides/slide5.xml><?xml version="1.0" encoding="utf-8"?>
-<p:sld xmlns:a="http://schemas.openxmlformats.org/drawingml/2006/main" xmlns:r="http://schemas.openxmlformats.org/officeDocument/2006/relationships" xmlns:p="http://schemas.openxmlformats.org/presentationml/2006/main" show="0">
+<p:sld xmlns:a="http://schemas.openxmlformats.org/drawingml/2006/main" xmlns:r="http://schemas.openxmlformats.org/officeDocument/2006/relationships" xmlns:p="http://schemas.openxmlformats.org/presentationml/2006/main">
   <p:cSld>
     <p:spTree>
       <p:nvGrpSpPr>
@@ -7236,9 +7363,241 @@
       </p:grpSpPr>
       <p:sp>
         <p:nvSpPr>
-          <p:cNvPr id="2" name="Title 1"/>
+          <p:cNvPr id="2" name="Title 1">
+            <a:extLst>
+              <a:ext uri="{FF2B5EF4-FFF2-40B4-BE49-F238E27FC236}">
+                <a16:creationId xmlns:a16="http://schemas.microsoft.com/office/drawing/2014/main" id="{C2428361-E96A-466A-85A4-5589FEE00974}"/>
+              </a:ext>
+            </a:extLst>
+          </p:cNvPr>
           <p:cNvSpPr>
             <a:spLocks noGrp="1"/>
+          </p:cNvSpPr>
+          <p:nvPr>
+            <p:ph type="title"/>
+          </p:nvPr>
+        </p:nvSpPr>
+        <p:spPr/>
+        <p:txBody>
+          <a:bodyPr/>
+          <a:lstStyle/>
+          <a:p>
+            <a:r>
+              <a:rPr lang="en-US" dirty="0"/>
+              <a:t>Follow-up</a:t>
+            </a:r>
+          </a:p>
+        </p:txBody>
+      </p:sp>
+      <p:sp>
+        <p:nvSpPr>
+          <p:cNvPr id="3" name="Content Placeholder 2">
+            <a:extLst>
+              <a:ext uri="{FF2B5EF4-FFF2-40B4-BE49-F238E27FC236}">
+                <a16:creationId xmlns:a16="http://schemas.microsoft.com/office/drawing/2014/main" id="{3FFD66CF-CFF3-468B-BBF7-C2D8892317FD}"/>
+              </a:ext>
+            </a:extLst>
+          </p:cNvPr>
+          <p:cNvSpPr>
+            <a:spLocks noGrp="1"/>
+          </p:cNvSpPr>
+          <p:nvPr>
+            <p:ph idx="1"/>
+          </p:nvPr>
+        </p:nvSpPr>
+        <p:spPr/>
+        <p:txBody>
+          <a:bodyPr/>
+          <a:lstStyle/>
+          <a:p>
+            <a:r>
+              <a:rPr lang="en-US" dirty="0"/>
+              <a:t>Of the five procedures, four are good to write using list-recur.  The other is not so good.  Which one, and why?</a:t>
+            </a:r>
+          </a:p>
+          <a:p>
+            <a:r>
+              <a:rPr lang="en-US" dirty="0"/>
+              <a:t>Come up with another example that is easier to write with list-recur than to write it directly.</a:t>
+            </a:r>
+          </a:p>
+          <a:p>
+            <a:r>
+              <a:rPr lang="en-US" dirty="0"/>
+              <a:t>Assignment 9.</a:t>
+            </a:r>
+          </a:p>
+          <a:p>
+            <a:pPr lvl="1"/>
+            <a:r>
+              <a:rPr lang="en-US" dirty="0"/>
+              <a:t>Write snlist-recur, which similarly abstracts over s-lists, and use it to write several procedures.</a:t>
+            </a:r>
+          </a:p>
+          <a:p>
+            <a:pPr lvl="1"/>
+            <a:r>
+              <a:rPr lang="en-US" dirty="0"/>
+              <a:t>Write </a:t>
+            </a:r>
+            <a:r>
+              <a:rPr lang="en-US" dirty="0" err="1"/>
+              <a:t>bt</a:t>
+            </a:r>
+            <a:r>
+              <a:rPr lang="en-US" dirty="0"/>
+              <a:t>-recur, which abstracts “</a:t>
+            </a:r>
+            <a:r>
+              <a:rPr lang="en-US" dirty="0" err="1"/>
+              <a:t>bt</a:t>
+            </a:r>
+            <a:r>
+              <a:rPr lang="en-US" dirty="0"/>
+              <a:t>” functions, and use it to write two procedures.</a:t>
+            </a:r>
+          </a:p>
+        </p:txBody>
+      </p:sp>
+    </p:spTree>
+    <p:extLst>
+      <p:ext uri="{BB962C8B-B14F-4D97-AF65-F5344CB8AC3E}">
+        <p14:creationId xmlns:p14="http://schemas.microsoft.com/office/powerpoint/2010/main" val="3556335133"/>
+      </p:ext>
+    </p:extLst>
+  </p:cSld>
+  <p:clrMapOvr>
+    <a:masterClrMapping/>
+  </p:clrMapOvr>
+</p:sld>
+</file>
+
+<file path=ppt/slides/slide6.xml><?xml version="1.0" encoding="utf-8"?>
+<p:sld xmlns:a="http://schemas.openxmlformats.org/drawingml/2006/main" xmlns:r="http://schemas.openxmlformats.org/officeDocument/2006/relationships" xmlns:p="http://schemas.openxmlformats.org/presentationml/2006/main">
+  <p:cSld>
+    <p:spTree>
+      <p:nvGrpSpPr>
+        <p:cNvPr id="1" name=""/>
+        <p:cNvGrpSpPr/>
+        <p:nvPr/>
+      </p:nvGrpSpPr>
+      <p:grpSpPr>
+        <a:xfrm>
+          <a:off x="0" y="0"/>
+          <a:ext cx="0" cy="0"/>
+          <a:chOff x="0" y="0"/>
+          <a:chExt cx="0" cy="0"/>
+        </a:xfrm>
+      </p:grpSpPr>
+      <p:sp>
+        <p:nvSpPr>
+          <p:cNvPr id="2" name="Title 1">
+            <a:extLst>
+              <a:ext uri="{FF2B5EF4-FFF2-40B4-BE49-F238E27FC236}">
+                <a16:creationId xmlns:a16="http://schemas.microsoft.com/office/drawing/2014/main" id="{5F7E5CD9-C4CE-482C-97B2-BDBFE83B986D}"/>
+              </a:ext>
+            </a:extLst>
+          </p:cNvPr>
+          <p:cNvSpPr>
+            <a:spLocks noGrp="1"/>
+          </p:cNvSpPr>
+          <p:nvPr>
+            <p:ph type="title"/>
+          </p:nvPr>
+        </p:nvSpPr>
+        <p:spPr/>
+        <p:txBody>
+          <a:bodyPr/>
+          <a:lstStyle/>
+          <a:p>
+            <a:r>
+              <a:rPr lang="en-US" dirty="0"/>
+              <a:t>Procedural abstraction</a:t>
+            </a:r>
+          </a:p>
+        </p:txBody>
+      </p:sp>
+      <p:sp>
+        <p:nvSpPr>
+          <p:cNvPr id="3" name="Content Placeholder 2">
+            <a:extLst>
+              <a:ext uri="{FF2B5EF4-FFF2-40B4-BE49-F238E27FC236}">
+                <a16:creationId xmlns:a16="http://schemas.microsoft.com/office/drawing/2014/main" id="{242554CC-77D4-4BDD-9CEE-0C65CF6C05C8}"/>
+              </a:ext>
+            </a:extLst>
+          </p:cNvPr>
+          <p:cNvSpPr>
+            <a:spLocks noGrp="1"/>
+          </p:cNvSpPr>
+          <p:nvPr>
+            <p:ph idx="1"/>
+          </p:nvPr>
+        </p:nvSpPr>
+        <p:spPr/>
+        <p:txBody>
+          <a:bodyPr/>
+          <a:lstStyle/>
+          <a:p>
+            <a:r>
+              <a:rPr lang="en-US" sz="2800" dirty="0"/>
+              <a:t>This idea of using lambdas (i.e. procedures) to create functions that are very general is very fundamental to functional programming</a:t>
+            </a:r>
+          </a:p>
+          <a:p>
+            <a:r>
+              <a:rPr lang="en-US" sz="2800" dirty="0"/>
+              <a:t>Rather than abstracting over *types* of things (traditional OO) we aim to abstract over processes</a:t>
+            </a:r>
+          </a:p>
+          <a:p>
+            <a:r>
+              <a:rPr lang="en-US" sz="2800" dirty="0"/>
+              <a:t>When we build things by combining really abstract things like list recur, it can be initially very hard to understand what’s going on</a:t>
+            </a:r>
+          </a:p>
+          <a:p>
+            <a:r>
+              <a:rPr lang="en-US" sz="2800" dirty="0"/>
+              <a:t>But –of course – to solve very hard problems with very small amounts of code…we’ll need code that works in a sort of unexpected way</a:t>
+            </a:r>
+          </a:p>
+        </p:txBody>
+      </p:sp>
+    </p:spTree>
+    <p:extLst>
+      <p:ext uri="{BB962C8B-B14F-4D97-AF65-F5344CB8AC3E}">
+        <p14:creationId xmlns:p14="http://schemas.microsoft.com/office/powerpoint/2010/main" val="1258154453"/>
+      </p:ext>
+    </p:extLst>
+  </p:cSld>
+  <p:clrMapOvr>
+    <a:masterClrMapping/>
+  </p:clrMapOvr>
+</p:sld>
+</file>
+
+<file path=ppt/slides/slide7.xml><?xml version="1.0" encoding="utf-8"?>
+<p:sld xmlns:a="http://schemas.openxmlformats.org/drawingml/2006/main" xmlns:r="http://schemas.openxmlformats.org/officeDocument/2006/relationships" xmlns:p="http://schemas.openxmlformats.org/presentationml/2006/main" showMasterPhAnim="0">
+  <p:cSld>
+    <p:spTree>
+      <p:nvGrpSpPr>
+        <p:cNvPr id="1" name=""/>
+        <p:cNvGrpSpPr/>
+        <p:nvPr/>
+      </p:nvGrpSpPr>
+      <p:grpSpPr>
+        <a:xfrm>
+          <a:off x="0" y="0"/>
+          <a:ext cx="0" cy="0"/>
+          <a:chOff x="0" y="0"/>
+          <a:chExt cx="0" cy="0"/>
+        </a:xfrm>
+      </p:grpSpPr>
+      <p:sp>
+        <p:nvSpPr>
+          <p:cNvPr id="427010" name="Rectangle 2"/>
+          <p:cNvSpPr>
+            <a:spLocks noGrp="1" noChangeArrowheads="1"/>
           </p:cNvSpPr>
           <p:nvPr>
             <p:ph type="title"/>
@@ -7246,8 +7605,8 @@
         </p:nvSpPr>
         <p:spPr>
           <a:xfrm>
-            <a:off x="1981200" y="76201"/>
-            <a:ext cx="8229600" cy="712787"/>
+            <a:off x="1981200" y="0"/>
+            <a:ext cx="8229600" cy="636588"/>
           </a:xfrm>
         </p:spPr>
         <p:txBody>
@@ -7255,65 +7614,513 @@
           <a:lstStyle/>
           <a:p>
             <a:r>
-              <a:rPr lang="en-US" dirty="0"/>
-              <a:t>Interlude</a:t>
-            </a:r>
-          </a:p>
-        </p:txBody>
-      </p:sp>
-      <p:pic>
-        <p:nvPicPr>
-          <p:cNvPr id="5" name="Picture 4" descr="faultsProphet.gif"/>
-          <p:cNvPicPr>
-            <a:picLocks noChangeAspect="1"/>
-          </p:cNvPicPr>
-          <p:nvPr/>
-        </p:nvPicPr>
-        <p:blipFill>
-          <a:blip r:embed="rId2" cstate="print"/>
-          <a:stretch>
-            <a:fillRect/>
-          </a:stretch>
-        </p:blipFill>
+              <a:rPr lang="en-US" sz="4000"/>
+              <a:t>list-recur abstracts list recursion</a:t>
+            </a:r>
+          </a:p>
+        </p:txBody>
+      </p:sp>
+      <p:sp>
+        <p:nvSpPr>
+          <p:cNvPr id="427011" name="Rectangle 3"/>
+          <p:cNvSpPr>
+            <a:spLocks noGrp="1" noChangeArrowheads="1"/>
+          </p:cNvSpPr>
+          <p:nvPr>
+            <p:ph type="body" idx="1"/>
+          </p:nvPr>
+        </p:nvSpPr>
         <p:spPr>
           <a:xfrm>
-            <a:off x="2209801" y="1066801"/>
-            <a:ext cx="7829023" cy="2348707"/>
+            <a:off x="1524000" y="838200"/>
+            <a:ext cx="9144000" cy="6248400"/>
+          </a:xfrm>
+        </p:spPr>
+        <p:txBody>
+          <a:bodyPr/>
+          <a:lstStyle/>
+          <a:p>
+            <a:pPr>
+              <a:lnSpc>
+                <a:spcPct val="80000"/>
+              </a:lnSpc>
+              <a:spcBef>
+                <a:spcPct val="5000"/>
+              </a:spcBef>
+              <a:buFont typeface="Wingdings" pitchFamily="2" charset="2"/>
+              <a:buNone/>
+            </a:pPr>
+            <a:r>
+              <a:rPr lang="en-US" sz="2000" b="1" dirty="0">
+                <a:solidFill>
+                  <a:schemeClr val="folHlink"/>
+                </a:solidFill>
+                <a:effectLst>
+                  <a:outerShdw blurRad="38100" dist="38100" dir="2700000" algn="tl">
+                    <a:srgbClr val="FFFFFF"/>
+                  </a:outerShdw>
+                </a:effectLst>
+              </a:rPr>
+              <a:t>Before the next class</a:t>
+            </a:r>
+          </a:p>
+          <a:p>
+            <a:pPr>
+              <a:lnSpc>
+                <a:spcPct val="80000"/>
+              </a:lnSpc>
+            </a:pPr>
+            <a:r>
+              <a:rPr lang="en-US" sz="2000" dirty="0"/>
+              <a:t>Try to come up with at least one other procedure that is easy to write using list-recur.  Hopefully something that is not a clone of one that we wrote.</a:t>
+            </a:r>
+          </a:p>
+          <a:p>
+            <a:pPr>
+              <a:lnSpc>
+                <a:spcPct val="80000"/>
+              </a:lnSpc>
+            </a:pPr>
+            <a:r>
+              <a:rPr lang="en-US" sz="2000" dirty="0"/>
+              <a:t>And write it! </a:t>
+            </a:r>
+          </a:p>
+          <a:p>
+            <a:pPr>
+              <a:lnSpc>
+                <a:spcPct val="80000"/>
+              </a:lnSpc>
+              <a:spcBef>
+                <a:spcPct val="30000"/>
+              </a:spcBef>
+              <a:buFont typeface="Wingdings" pitchFamily="2" charset="2"/>
+              <a:buNone/>
+            </a:pPr>
+            <a:r>
+              <a:rPr lang="en-US" sz="2000" b="1" dirty="0">
+                <a:latin typeface="Courier New" pitchFamily="49" charset="0"/>
+              </a:rPr>
+              <a:t>(define list-sum (list-recur 0 +)</a:t>
+            </a:r>
+          </a:p>
+          <a:p>
+            <a:pPr>
+              <a:lnSpc>
+                <a:spcPct val="80000"/>
+              </a:lnSpc>
+              <a:spcBef>
+                <a:spcPct val="30000"/>
+              </a:spcBef>
+              <a:buFont typeface="Wingdings" pitchFamily="2" charset="2"/>
+              <a:buNone/>
+            </a:pPr>
+            <a:r>
+              <a:rPr lang="en-US" sz="2000" b="1" dirty="0">
+                <a:latin typeface="Courier New" pitchFamily="49" charset="0"/>
+              </a:rPr>
+              <a:t>(define list-prod (list-recur 1 *)</a:t>
+            </a:r>
+          </a:p>
+          <a:p>
+            <a:pPr>
+              <a:lnSpc>
+                <a:spcPct val="80000"/>
+              </a:lnSpc>
+              <a:spcBef>
+                <a:spcPct val="40000"/>
+              </a:spcBef>
+              <a:buFont typeface="Wingdings" pitchFamily="2" charset="2"/>
+              <a:buNone/>
+            </a:pPr>
+            <a:r>
+              <a:rPr lang="en-US" sz="2000" b="1" dirty="0">
+                <a:latin typeface="Courier New" pitchFamily="49" charset="0"/>
+              </a:rPr>
+              <a:t>(define apply-to-all</a:t>
+            </a:r>
+          </a:p>
+          <a:p>
+            <a:pPr>
+              <a:lnSpc>
+                <a:spcPct val="80000"/>
+              </a:lnSpc>
+              <a:spcBef>
+                <a:spcPct val="0"/>
+              </a:spcBef>
+              <a:buFont typeface="Wingdings" pitchFamily="2" charset="2"/>
+              <a:buNone/>
+            </a:pPr>
+            <a:r>
+              <a:rPr lang="en-US" sz="2000" b="1" dirty="0">
+                <a:latin typeface="Courier New" pitchFamily="49" charset="0"/>
+              </a:rPr>
+              <a:t>  (lambda (proc)</a:t>
+            </a:r>
+          </a:p>
+          <a:p>
+            <a:pPr>
+              <a:lnSpc>
+                <a:spcPct val="80000"/>
+              </a:lnSpc>
+              <a:spcBef>
+                <a:spcPct val="0"/>
+              </a:spcBef>
+              <a:buFont typeface="Wingdings" pitchFamily="2" charset="2"/>
+              <a:buNone/>
+            </a:pPr>
+            <a:r>
+              <a:rPr lang="en-US" sz="2000" b="1" dirty="0">
+                <a:latin typeface="Courier New" pitchFamily="49" charset="0"/>
+              </a:rPr>
+              <a:t>    (list-recur </a:t>
+            </a:r>
+            <a:r>
+              <a:rPr lang="en-US" sz="2000" b="1" dirty="0">
+                <a:latin typeface="Courier New" pitchFamily="49" charset="0"/>
+                <a:cs typeface="Courier New" pitchFamily="49" charset="0"/>
+              </a:rPr>
+              <a:t>′</a:t>
+            </a:r>
+            <a:r>
+              <a:rPr lang="en-US" sz="2000" b="1" dirty="0">
+                <a:latin typeface="Courier New" pitchFamily="49" charset="0"/>
+              </a:rPr>
+              <a:t>()</a:t>
+            </a:r>
+          </a:p>
+          <a:p>
+            <a:pPr>
+              <a:lnSpc>
+                <a:spcPct val="80000"/>
+              </a:lnSpc>
+              <a:spcBef>
+                <a:spcPct val="0"/>
+              </a:spcBef>
+              <a:buFont typeface="Wingdings" pitchFamily="2" charset="2"/>
+              <a:buNone/>
+            </a:pPr>
+            <a:r>
+              <a:rPr lang="en-US" sz="2000" b="1" dirty="0">
+                <a:latin typeface="Courier New" pitchFamily="49" charset="0"/>
+              </a:rPr>
+              <a:t>                (lambda (x y)</a:t>
+            </a:r>
+          </a:p>
+          <a:p>
+            <a:pPr>
+              <a:lnSpc>
+                <a:spcPct val="80000"/>
+              </a:lnSpc>
+              <a:spcBef>
+                <a:spcPct val="0"/>
+              </a:spcBef>
+              <a:buFont typeface="Wingdings" pitchFamily="2" charset="2"/>
+              <a:buNone/>
+            </a:pPr>
+            <a:r>
+              <a:rPr lang="en-US" sz="2000" b="1" dirty="0">
+                <a:latin typeface="Courier New" pitchFamily="49" charset="0"/>
+              </a:rPr>
+              <a:t>                  (cons (proc x) y)))))</a:t>
+            </a:r>
+          </a:p>
+          <a:p>
+            <a:pPr>
+              <a:lnSpc>
+                <a:spcPct val="80000"/>
+              </a:lnSpc>
+              <a:spcBef>
+                <a:spcPct val="35000"/>
+              </a:spcBef>
+              <a:buFont typeface="Wingdings" pitchFamily="2" charset="2"/>
+              <a:buNone/>
+            </a:pPr>
+            <a:r>
+              <a:rPr lang="en-US" sz="2000" b="1" dirty="0">
+                <a:latin typeface="Courier New" pitchFamily="49" charset="0"/>
+              </a:rPr>
+              <a:t>(define member-c?</a:t>
+            </a:r>
+          </a:p>
+          <a:p>
+            <a:pPr>
+              <a:lnSpc>
+                <a:spcPct val="80000"/>
+              </a:lnSpc>
+              <a:spcBef>
+                <a:spcPct val="0"/>
+              </a:spcBef>
+              <a:buFont typeface="Wingdings" pitchFamily="2" charset="2"/>
+              <a:buNone/>
+            </a:pPr>
+            <a:r>
+              <a:rPr lang="en-US" sz="2000" b="1" dirty="0">
+                <a:latin typeface="Courier New" pitchFamily="49" charset="0"/>
+              </a:rPr>
+              <a:t>   (lambda (item)</a:t>
+            </a:r>
+          </a:p>
+          <a:p>
+            <a:pPr>
+              <a:lnSpc>
+                <a:spcPct val="80000"/>
+              </a:lnSpc>
+              <a:spcBef>
+                <a:spcPct val="0"/>
+              </a:spcBef>
+              <a:buFont typeface="Wingdings" pitchFamily="2" charset="2"/>
+              <a:buNone/>
+            </a:pPr>
+            <a:r>
+              <a:rPr lang="en-US" sz="2000" b="1" dirty="0">
+                <a:latin typeface="Courier New" pitchFamily="49" charset="0"/>
+              </a:rPr>
+              <a:t>     (list-recur #f (lambda (x y)</a:t>
+            </a:r>
+          </a:p>
+          <a:p>
+            <a:pPr>
+              <a:lnSpc>
+                <a:spcPct val="80000"/>
+              </a:lnSpc>
+              <a:spcBef>
+                <a:spcPct val="0"/>
+              </a:spcBef>
+              <a:buFont typeface="Wingdings" pitchFamily="2" charset="2"/>
+              <a:buNone/>
+            </a:pPr>
+            <a:r>
+              <a:rPr lang="en-US" sz="2000" b="1" dirty="0">
+                <a:latin typeface="Courier New" pitchFamily="49" charset="0"/>
+              </a:rPr>
+              <a:t>                      (or (equal? item x)</a:t>
+            </a:r>
+          </a:p>
+          <a:p>
+            <a:pPr>
+              <a:lnSpc>
+                <a:spcPct val="80000"/>
+              </a:lnSpc>
+              <a:spcBef>
+                <a:spcPct val="0"/>
+              </a:spcBef>
+              <a:buFont typeface="Wingdings" pitchFamily="2" charset="2"/>
+              <a:buNone/>
+            </a:pPr>
+            <a:r>
+              <a:rPr lang="en-US" sz="2000" b="1" dirty="0">
+                <a:latin typeface="Courier New" pitchFamily="49" charset="0"/>
+              </a:rPr>
+              <a:t>                           y)))))</a:t>
+            </a:r>
+          </a:p>
+          <a:p>
+            <a:pPr>
+              <a:lnSpc>
+                <a:spcPct val="80000"/>
+              </a:lnSpc>
+              <a:spcBef>
+                <a:spcPct val="45000"/>
+              </a:spcBef>
+              <a:buFont typeface="Wingdings" pitchFamily="2" charset="2"/>
+              <a:buNone/>
+            </a:pPr>
+            <a:r>
+              <a:rPr lang="en-US" sz="2000" b="1" dirty="0">
+                <a:latin typeface="Courier New" pitchFamily="49" charset="0"/>
+              </a:rPr>
+              <a:t>(define length (list-recur </a:t>
+            </a:r>
+            <a:r>
+              <a:rPr lang="en-US" sz="2000" b="1" dirty="0">
+                <a:solidFill>
+                  <a:schemeClr val="accent1"/>
+                </a:solidFill>
+                <a:effectLst>
+                  <a:outerShdw blurRad="38100" dist="38100" dir="2700000" algn="tl">
+                    <a:srgbClr val="FFFFFF"/>
+                  </a:outerShdw>
+                </a:effectLst>
+                <a:latin typeface="Courier New" pitchFamily="49" charset="0"/>
+              </a:rPr>
+              <a:t>;fill it in</a:t>
+            </a:r>
+          </a:p>
+          <a:p>
+            <a:pPr>
+              <a:lnSpc>
+                <a:spcPct val="80000"/>
+              </a:lnSpc>
+              <a:spcBef>
+                <a:spcPct val="45000"/>
+              </a:spcBef>
+              <a:buFont typeface="Wingdings" pitchFamily="2" charset="2"/>
+              <a:buNone/>
+            </a:pPr>
+            <a:r>
+              <a:rPr lang="en-US" sz="2000" b="1" dirty="0">
+                <a:latin typeface="Courier New" pitchFamily="49" charset="0"/>
+              </a:rPr>
+              <a:t>    )</a:t>
+            </a:r>
+          </a:p>
+        </p:txBody>
+      </p:sp>
+      <p:sp>
+        <p:nvSpPr>
+          <p:cNvPr id="427012" name="Text Box 4"/>
+          <p:cNvSpPr txBox="1">
+            <a:spLocks noChangeArrowheads="1"/>
+          </p:cNvSpPr>
+          <p:nvPr/>
+        </p:nvSpPr>
+        <p:spPr bwMode="auto">
+          <a:xfrm>
+            <a:off x="8153400" y="2438401"/>
+            <a:ext cx="2286000" cy="1015663"/>
           </a:xfrm>
           <a:prstGeom prst="rect">
             <a:avLst/>
           </a:prstGeom>
+          <a:solidFill>
+            <a:schemeClr val="bg1"/>
+          </a:solidFill>
+          <a:ln w="9525">
+            <a:noFill/>
+            <a:miter lim="800000"/>
+            <a:headEnd/>
+            <a:tailEnd/>
+          </a:ln>
+          <a:effectLst/>
         </p:spPr>
-      </p:pic>
-      <p:pic>
-        <p:nvPicPr>
-          <p:cNvPr id="6" name="Picture 5" descr="HealthCare-HorsesAndMen.png"/>
-          <p:cNvPicPr>
-            <a:picLocks noChangeAspect="1"/>
-          </p:cNvPicPr>
+        <p:txBody>
+          <a:bodyPr wrap="square">
+            <a:spAutoFit/>
+          </a:bodyPr>
+          <a:lstStyle/>
+          <a:p>
+            <a:pPr algn="ctr">
+              <a:spcBef>
+                <a:spcPct val="50000"/>
+              </a:spcBef>
+            </a:pPr>
+            <a:r>
+              <a:rPr lang="en-US" sz="3000" b="1" dirty="0">
+                <a:solidFill>
+                  <a:srgbClr val="FFFF00"/>
+                </a:solidFill>
+              </a:rPr>
+              <a:t>Your examples?</a:t>
+            </a:r>
+          </a:p>
+        </p:txBody>
+      </p:sp>
+      <p:sp>
+        <p:nvSpPr>
+          <p:cNvPr id="427013" name="Text Box 5"/>
+          <p:cNvSpPr txBox="1">
+            <a:spLocks noChangeArrowheads="1"/>
+          </p:cNvSpPr>
           <p:nvPr/>
-        </p:nvPicPr>
-        <p:blipFill>
-          <a:blip r:embed="rId3" cstate="print"/>
-          <a:stretch>
-            <a:fillRect/>
-          </a:stretch>
-        </p:blipFill>
-        <p:spPr>
+        </p:nvSpPr>
+        <p:spPr bwMode="auto">
           <a:xfrm>
-            <a:off x="2209800" y="3693320"/>
-            <a:ext cx="7848808" cy="2326480"/>
+            <a:off x="3124200" y="5841594"/>
+            <a:ext cx="7315200" cy="1092607"/>
           </a:xfrm>
           <a:prstGeom prst="rect">
             <a:avLst/>
           </a:prstGeom>
+          <a:solidFill>
+            <a:srgbClr val="747474"/>
+          </a:solidFill>
+          <a:ln w="9525">
+            <a:noFill/>
+            <a:miter lim="800000"/>
+            <a:headEnd/>
+            <a:tailEnd/>
+          </a:ln>
+          <a:effectLst/>
         </p:spPr>
-      </p:pic>
+        <p:txBody>
+          <a:bodyPr wrap="square">
+            <a:spAutoFit/>
+          </a:bodyPr>
+          <a:lstStyle/>
+          <a:p>
+            <a:pPr algn="ctr">
+              <a:spcBef>
+                <a:spcPts val="600"/>
+              </a:spcBef>
+            </a:pPr>
+            <a:r>
+              <a:rPr lang="en-US" sz="3000" b="1" dirty="0">
+                <a:solidFill>
+                  <a:srgbClr val="FFFF00"/>
+                </a:solidFill>
+              </a:rPr>
+              <a:t>One of these is a bad idea!</a:t>
+            </a:r>
+          </a:p>
+          <a:p>
+            <a:pPr algn="ctr">
+              <a:spcBef>
+                <a:spcPts val="600"/>
+              </a:spcBef>
+            </a:pPr>
+            <a:r>
+              <a:rPr lang="en-US" sz="3000" b="1" dirty="0">
+                <a:solidFill>
+                  <a:srgbClr val="FFFF00"/>
+                </a:solidFill>
+              </a:rPr>
+              <a:t>Which one and why?</a:t>
+            </a:r>
+          </a:p>
+        </p:txBody>
+      </p:sp>
+      <p:sp>
+        <p:nvSpPr>
+          <p:cNvPr id="427014" name="Rectangle 6"/>
+          <p:cNvSpPr>
+            <a:spLocks noChangeArrowheads="1"/>
+          </p:cNvSpPr>
+          <p:nvPr/>
+        </p:nvSpPr>
+        <p:spPr bwMode="auto">
+          <a:xfrm>
+            <a:off x="1524000" y="1981200"/>
+            <a:ext cx="9144000" cy="4876800"/>
+          </a:xfrm>
+          <a:prstGeom prst="rect">
+            <a:avLst/>
+          </a:prstGeom>
+          <a:noFill/>
+          <a:ln w="53975">
+            <a:solidFill>
+              <a:schemeClr val="accent1"/>
+            </a:solidFill>
+            <a:miter lim="800000"/>
+            <a:headEnd/>
+            <a:tailEnd/>
+          </a:ln>
+          <a:effectLst/>
+        </p:spPr>
+        <p:txBody>
+          <a:bodyPr wrap="none" anchor="ctr"/>
+          <a:lstStyle/>
+          <a:p>
+            <a:endParaRPr lang="en-US"/>
+          </a:p>
+        </p:txBody>
+      </p:sp>
     </p:spTree>
   </p:cSld>
   <p:clrMapOvr>
     <a:masterClrMapping/>
   </p:clrMapOvr>
+  <p:transition/>
 </p:sld>
 </file>
 

--- a/ClassMaterials/ProceduralAbstraction/10-ProceduralAbstraction-202120.pptx
+++ b/ClassMaterials/ProceduralAbstraction/10-ProceduralAbstraction-202120.pptx
@@ -5,19 +5,20 @@
     <p:sldMasterId id="2147483695" r:id="rId1"/>
   </p:sldMasterIdLst>
   <p:notesMasterIdLst>
-    <p:notesMasterId r:id="rId9"/>
+    <p:notesMasterId r:id="rId10"/>
   </p:notesMasterIdLst>
   <p:handoutMasterIdLst>
-    <p:handoutMasterId r:id="rId10"/>
+    <p:handoutMasterId r:id="rId11"/>
   </p:handoutMasterIdLst>
   <p:sldIdLst>
     <p:sldId id="257" r:id="rId2"/>
-    <p:sldId id="347" r:id="rId3"/>
-    <p:sldId id="359" r:id="rId4"/>
-    <p:sldId id="361" r:id="rId5"/>
-    <p:sldId id="360" r:id="rId6"/>
-    <p:sldId id="362" r:id="rId7"/>
-    <p:sldId id="349" r:id="rId8"/>
+    <p:sldId id="363" r:id="rId3"/>
+    <p:sldId id="347" r:id="rId4"/>
+    <p:sldId id="359" r:id="rId5"/>
+    <p:sldId id="361" r:id="rId6"/>
+    <p:sldId id="360" r:id="rId7"/>
+    <p:sldId id="362" r:id="rId8"/>
+    <p:sldId id="349" r:id="rId9"/>
   </p:sldIdLst>
   <p:sldSz cx="12192000" cy="6858000"/>
   <p:notesSz cx="7315200" cy="9601200"/>
@@ -178,7 +179,7 @@
   <pc:docChgLst>
     <pc:chgData name="Hewner, Mike" userId="7f3f83dd-6dfb-4127-a87f-c1714bd4fac9" providerId="ADAL" clId="{553863DB-60B5-45E5-9DD8-56D26E4D69B6}"/>
     <pc:docChg chg="custSel addSld delSld modSld">
-      <pc:chgData name="Hewner, Mike" userId="7f3f83dd-6dfb-4127-a87f-c1714bd4fac9" providerId="ADAL" clId="{553863DB-60B5-45E5-9DD8-56D26E4D69B6}" dt="2021-09-17T14:51:08.978" v="721" actId="404"/>
+      <pc:chgData name="Hewner, Mike" userId="7f3f83dd-6dfb-4127-a87f-c1714bd4fac9" providerId="ADAL" clId="{553863DB-60B5-45E5-9DD8-56D26E4D69B6}" dt="2021-09-17T17:53:27.415" v="1031" actId="20577"/>
       <pc:docMkLst>
         <pc:docMk/>
       </pc:docMkLst>
@@ -239,6 +240,29 @@
             <pc:docMk/>
             <pc:sldMk cId="1258154453" sldId="362"/>
             <ac:spMk id="3" creationId="{242554CC-77D4-4BDD-9CEE-0C65CF6C05C8}"/>
+          </ac:spMkLst>
+        </pc:spChg>
+      </pc:sldChg>
+      <pc:sldChg chg="modSp new mod">
+        <pc:chgData name="Hewner, Mike" userId="7f3f83dd-6dfb-4127-a87f-c1714bd4fac9" providerId="ADAL" clId="{553863DB-60B5-45E5-9DD8-56D26E4D69B6}" dt="2021-09-17T17:53:27.415" v="1031" actId="20577"/>
+        <pc:sldMkLst>
+          <pc:docMk/>
+          <pc:sldMk cId="2876952035" sldId="363"/>
+        </pc:sldMkLst>
+        <pc:spChg chg="mod">
+          <ac:chgData name="Hewner, Mike" userId="7f3f83dd-6dfb-4127-a87f-c1714bd4fac9" providerId="ADAL" clId="{553863DB-60B5-45E5-9DD8-56D26E4D69B6}" dt="2021-09-17T17:48:08.018" v="747" actId="20577"/>
+          <ac:spMkLst>
+            <pc:docMk/>
+            <pc:sldMk cId="2876952035" sldId="363"/>
+            <ac:spMk id="2" creationId="{DBF97EFE-AF78-478D-84ED-C9145CDEB3A6}"/>
+          </ac:spMkLst>
+        </pc:spChg>
+        <pc:spChg chg="mod">
+          <ac:chgData name="Hewner, Mike" userId="7f3f83dd-6dfb-4127-a87f-c1714bd4fac9" providerId="ADAL" clId="{553863DB-60B5-45E5-9DD8-56D26E4D69B6}" dt="2021-09-17T17:53:27.415" v="1031" actId="20577"/>
+          <ac:spMkLst>
+            <pc:docMk/>
+            <pc:sldMk cId="2876952035" sldId="363"/>
+            <ac:spMk id="3" creationId="{416CB3BC-1FFE-48EE-81C0-194A958AF8EF}"/>
           </ac:spMkLst>
         </pc:spChg>
       </pc:sldChg>
@@ -1075,7 +1099,7 @@
             <a:fld id="{D2B72A2D-1FB5-4235-BD2A-A47C126380AE}" type="slidenum">
               <a:rPr lang="en-US" smtClean="0"/>
               <a:pPr/>
-              <a:t>2</a:t>
+              <a:t>3</a:t>
             </a:fld>
             <a:endParaRPr lang="en-US"/>
           </a:p>
@@ -1131,7 +1155,7 @@
             <a:fld id="{037D7685-9D7A-447A-B748-619AA8CFA85B}" type="slidenum">
               <a:rPr lang="en-US"/>
               <a:pPr/>
-              <a:t>7</a:t>
+              <a:t>8</a:t>
             </a:fld>
             <a:endParaRPr lang="en-US"/>
           </a:p>
@@ -6531,6 +6555,104 @@
 </file>
 
 <file path=ppt/slides/slide2.xml><?xml version="1.0" encoding="utf-8"?>
+<p:sld xmlns:a="http://schemas.openxmlformats.org/drawingml/2006/main" xmlns:r="http://schemas.openxmlformats.org/officeDocument/2006/relationships" xmlns:p="http://schemas.openxmlformats.org/presentationml/2006/main">
+  <p:cSld>
+    <p:spTree>
+      <p:nvGrpSpPr>
+        <p:cNvPr id="1" name=""/>
+        <p:cNvGrpSpPr/>
+        <p:nvPr/>
+      </p:nvGrpSpPr>
+      <p:grpSpPr>
+        <a:xfrm>
+          <a:off x="0" y="0"/>
+          <a:ext cx="0" cy="0"/>
+          <a:chOff x="0" y="0"/>
+          <a:chExt cx="0" cy="0"/>
+        </a:xfrm>
+      </p:grpSpPr>
+      <p:sp>
+        <p:nvSpPr>
+          <p:cNvPr id="2" name="Title 1">
+            <a:extLst>
+              <a:ext uri="{FF2B5EF4-FFF2-40B4-BE49-F238E27FC236}">
+                <a16:creationId xmlns:a16="http://schemas.microsoft.com/office/drawing/2014/main" id="{DBF97EFE-AF78-478D-84ED-C9145CDEB3A6}"/>
+              </a:ext>
+            </a:extLst>
+          </p:cNvPr>
+          <p:cNvSpPr>
+            <a:spLocks noGrp="1"/>
+          </p:cNvSpPr>
+          <p:nvPr>
+            <p:ph type="title"/>
+          </p:nvPr>
+        </p:nvSpPr>
+        <p:spPr/>
+        <p:txBody>
+          <a:bodyPr/>
+          <a:lstStyle/>
+          <a:p>
+            <a:r>
+              <a:rPr lang="en-US" dirty="0"/>
+              <a:t>What is up with currying?</a:t>
+            </a:r>
+          </a:p>
+        </p:txBody>
+      </p:sp>
+      <p:sp>
+        <p:nvSpPr>
+          <p:cNvPr id="3" name="Content Placeholder 2">
+            <a:extLst>
+              <a:ext uri="{FF2B5EF4-FFF2-40B4-BE49-F238E27FC236}">
+                <a16:creationId xmlns:a16="http://schemas.microsoft.com/office/drawing/2014/main" id="{416CB3BC-1FFE-48EE-81C0-194A958AF8EF}"/>
+              </a:ext>
+            </a:extLst>
+          </p:cNvPr>
+          <p:cNvSpPr>
+            <a:spLocks noGrp="1"/>
+          </p:cNvSpPr>
+          <p:nvPr>
+            <p:ph idx="1"/>
+          </p:nvPr>
+        </p:nvSpPr>
+        <p:spPr/>
+        <p:txBody>
+          <a:bodyPr/>
+          <a:lstStyle/>
+          <a:p>
+            <a:r>
+              <a:rPr lang="en-US" dirty="0"/>
+              <a:t>Ordinary functions require us to provide all their data at once</a:t>
+            </a:r>
+          </a:p>
+          <a:p>
+            <a:r>
+              <a:rPr lang="en-US" dirty="0"/>
+              <a:t>A curried function allows us to pass part of their data at one time, and the rest of their data at another</a:t>
+            </a:r>
+          </a:p>
+          <a:p>
+            <a:r>
+              <a:rPr lang="en-US" dirty="0"/>
+              <a:t>Can also make it easier to compose or operate on functions – we’ll see an example of this today</a:t>
+            </a:r>
+          </a:p>
+        </p:txBody>
+      </p:sp>
+    </p:spTree>
+    <p:extLst>
+      <p:ext uri="{BB962C8B-B14F-4D97-AF65-F5344CB8AC3E}">
+        <p14:creationId xmlns:p14="http://schemas.microsoft.com/office/powerpoint/2010/main" val="2876952035"/>
+      </p:ext>
+    </p:extLst>
+  </p:cSld>
+  <p:clrMapOvr>
+    <a:masterClrMapping/>
+  </p:clrMapOvr>
+</p:sld>
+</file>
+
+<file path=ppt/slides/slide3.xml><?xml version="1.0" encoding="utf-8"?>
 <p:sld xmlns:a="http://schemas.openxmlformats.org/drawingml/2006/main" xmlns:r="http://schemas.openxmlformats.org/officeDocument/2006/relationships" xmlns:p="http://schemas.openxmlformats.org/presentationml/2006/main" showMasterPhAnim="0">
   <p:cSld>
     <p:spTree>
@@ -7189,7 +7311,7 @@
 </p:sld>
 </file>
 
-<file path=ppt/slides/slide3.xml><?xml version="1.0" encoding="utf-8"?>
+<file path=ppt/slides/slide4.xml><?xml version="1.0" encoding="utf-8"?>
 <p:sld xmlns:a="http://schemas.openxmlformats.org/drawingml/2006/main" xmlns:r="http://schemas.openxmlformats.org/officeDocument/2006/relationships" xmlns:p="http://schemas.openxmlformats.org/presentationml/2006/main">
   <p:cSld>
     <p:spTree>
@@ -7284,7 +7406,7 @@
 </p:sld>
 </file>
 
-<file path=ppt/slides/slide4.xml><?xml version="1.0" encoding="utf-8"?>
+<file path=ppt/slides/slide5.xml><?xml version="1.0" encoding="utf-8"?>
 <p:sld xmlns:a="http://schemas.openxmlformats.org/drawingml/2006/main" xmlns:r="http://schemas.openxmlformats.org/officeDocument/2006/relationships" xmlns:p="http://schemas.openxmlformats.org/presentationml/2006/main">
   <p:cSld>
     <p:spTree>
@@ -7344,134 +7466,6 @@
 </p:sld>
 </file>
 
-<file path=ppt/slides/slide5.xml><?xml version="1.0" encoding="utf-8"?>
-<p:sld xmlns:a="http://schemas.openxmlformats.org/drawingml/2006/main" xmlns:r="http://schemas.openxmlformats.org/officeDocument/2006/relationships" xmlns:p="http://schemas.openxmlformats.org/presentationml/2006/main">
-  <p:cSld>
-    <p:spTree>
-      <p:nvGrpSpPr>
-        <p:cNvPr id="1" name=""/>
-        <p:cNvGrpSpPr/>
-        <p:nvPr/>
-      </p:nvGrpSpPr>
-      <p:grpSpPr>
-        <a:xfrm>
-          <a:off x="0" y="0"/>
-          <a:ext cx="0" cy="0"/>
-          <a:chOff x="0" y="0"/>
-          <a:chExt cx="0" cy="0"/>
-        </a:xfrm>
-      </p:grpSpPr>
-      <p:sp>
-        <p:nvSpPr>
-          <p:cNvPr id="2" name="Title 1">
-            <a:extLst>
-              <a:ext uri="{FF2B5EF4-FFF2-40B4-BE49-F238E27FC236}">
-                <a16:creationId xmlns:a16="http://schemas.microsoft.com/office/drawing/2014/main" id="{C2428361-E96A-466A-85A4-5589FEE00974}"/>
-              </a:ext>
-            </a:extLst>
-          </p:cNvPr>
-          <p:cNvSpPr>
-            <a:spLocks noGrp="1"/>
-          </p:cNvSpPr>
-          <p:nvPr>
-            <p:ph type="title"/>
-          </p:nvPr>
-        </p:nvSpPr>
-        <p:spPr/>
-        <p:txBody>
-          <a:bodyPr/>
-          <a:lstStyle/>
-          <a:p>
-            <a:r>
-              <a:rPr lang="en-US" dirty="0"/>
-              <a:t>Follow-up</a:t>
-            </a:r>
-          </a:p>
-        </p:txBody>
-      </p:sp>
-      <p:sp>
-        <p:nvSpPr>
-          <p:cNvPr id="3" name="Content Placeholder 2">
-            <a:extLst>
-              <a:ext uri="{FF2B5EF4-FFF2-40B4-BE49-F238E27FC236}">
-                <a16:creationId xmlns:a16="http://schemas.microsoft.com/office/drawing/2014/main" id="{3FFD66CF-CFF3-468B-BBF7-C2D8892317FD}"/>
-              </a:ext>
-            </a:extLst>
-          </p:cNvPr>
-          <p:cNvSpPr>
-            <a:spLocks noGrp="1"/>
-          </p:cNvSpPr>
-          <p:nvPr>
-            <p:ph idx="1"/>
-          </p:nvPr>
-        </p:nvSpPr>
-        <p:spPr/>
-        <p:txBody>
-          <a:bodyPr/>
-          <a:lstStyle/>
-          <a:p>
-            <a:r>
-              <a:rPr lang="en-US" dirty="0"/>
-              <a:t>Of the five procedures, four are good to write using list-recur.  The other is not so good.  Which one, and why?</a:t>
-            </a:r>
-          </a:p>
-          <a:p>
-            <a:r>
-              <a:rPr lang="en-US" dirty="0"/>
-              <a:t>Come up with another example that is easier to write with list-recur than to write it directly.</a:t>
-            </a:r>
-          </a:p>
-          <a:p>
-            <a:r>
-              <a:rPr lang="en-US" dirty="0"/>
-              <a:t>Assignment 9.</a:t>
-            </a:r>
-          </a:p>
-          <a:p>
-            <a:pPr lvl="1"/>
-            <a:r>
-              <a:rPr lang="en-US" dirty="0"/>
-              <a:t>Write snlist-recur, which similarly abstracts over s-lists, and use it to write several procedures.</a:t>
-            </a:r>
-          </a:p>
-          <a:p>
-            <a:pPr lvl="1"/>
-            <a:r>
-              <a:rPr lang="en-US" dirty="0"/>
-              <a:t>Write </a:t>
-            </a:r>
-            <a:r>
-              <a:rPr lang="en-US" dirty="0" err="1"/>
-              <a:t>bt</a:t>
-            </a:r>
-            <a:r>
-              <a:rPr lang="en-US" dirty="0"/>
-              <a:t>-recur, which abstracts “</a:t>
-            </a:r>
-            <a:r>
-              <a:rPr lang="en-US" dirty="0" err="1"/>
-              <a:t>bt</a:t>
-            </a:r>
-            <a:r>
-              <a:rPr lang="en-US" dirty="0"/>
-              <a:t>” functions, and use it to write two procedures.</a:t>
-            </a:r>
-          </a:p>
-        </p:txBody>
-      </p:sp>
-    </p:spTree>
-    <p:extLst>
-      <p:ext uri="{BB962C8B-B14F-4D97-AF65-F5344CB8AC3E}">
-        <p14:creationId xmlns:p14="http://schemas.microsoft.com/office/powerpoint/2010/main" val="3556335133"/>
-      </p:ext>
-    </p:extLst>
-  </p:cSld>
-  <p:clrMapOvr>
-    <a:masterClrMapping/>
-  </p:clrMapOvr>
-</p:sld>
-</file>
-
 <file path=ppt/slides/slide6.xml><?xml version="1.0" encoding="utf-8"?>
 <p:sld xmlns:a="http://schemas.openxmlformats.org/drawingml/2006/main" xmlns:r="http://schemas.openxmlformats.org/officeDocument/2006/relationships" xmlns:p="http://schemas.openxmlformats.org/presentationml/2006/main">
   <p:cSld>
@@ -7494,6 +7488,134 @@
           <p:cNvPr id="2" name="Title 1">
             <a:extLst>
               <a:ext uri="{FF2B5EF4-FFF2-40B4-BE49-F238E27FC236}">
+                <a16:creationId xmlns:a16="http://schemas.microsoft.com/office/drawing/2014/main" id="{C2428361-E96A-466A-85A4-5589FEE00974}"/>
+              </a:ext>
+            </a:extLst>
+          </p:cNvPr>
+          <p:cNvSpPr>
+            <a:spLocks noGrp="1"/>
+          </p:cNvSpPr>
+          <p:nvPr>
+            <p:ph type="title"/>
+          </p:nvPr>
+        </p:nvSpPr>
+        <p:spPr/>
+        <p:txBody>
+          <a:bodyPr/>
+          <a:lstStyle/>
+          <a:p>
+            <a:r>
+              <a:rPr lang="en-US" dirty="0"/>
+              <a:t>Follow-up</a:t>
+            </a:r>
+          </a:p>
+        </p:txBody>
+      </p:sp>
+      <p:sp>
+        <p:nvSpPr>
+          <p:cNvPr id="3" name="Content Placeholder 2">
+            <a:extLst>
+              <a:ext uri="{FF2B5EF4-FFF2-40B4-BE49-F238E27FC236}">
+                <a16:creationId xmlns:a16="http://schemas.microsoft.com/office/drawing/2014/main" id="{3FFD66CF-CFF3-468B-BBF7-C2D8892317FD}"/>
+              </a:ext>
+            </a:extLst>
+          </p:cNvPr>
+          <p:cNvSpPr>
+            <a:spLocks noGrp="1"/>
+          </p:cNvSpPr>
+          <p:nvPr>
+            <p:ph idx="1"/>
+          </p:nvPr>
+        </p:nvSpPr>
+        <p:spPr/>
+        <p:txBody>
+          <a:bodyPr/>
+          <a:lstStyle/>
+          <a:p>
+            <a:r>
+              <a:rPr lang="en-US" dirty="0"/>
+              <a:t>Of the five procedures, four are good to write using list-recur.  The other is not so good.  Which one, and why?</a:t>
+            </a:r>
+          </a:p>
+          <a:p>
+            <a:r>
+              <a:rPr lang="en-US" dirty="0"/>
+              <a:t>Come up with another example that is easier to write with list-recur than to write it directly.</a:t>
+            </a:r>
+          </a:p>
+          <a:p>
+            <a:r>
+              <a:rPr lang="en-US" dirty="0"/>
+              <a:t>Assignment 9.</a:t>
+            </a:r>
+          </a:p>
+          <a:p>
+            <a:pPr lvl="1"/>
+            <a:r>
+              <a:rPr lang="en-US" dirty="0"/>
+              <a:t>Write snlist-recur, which similarly abstracts over s-lists, and use it to write several procedures.</a:t>
+            </a:r>
+          </a:p>
+          <a:p>
+            <a:pPr lvl="1"/>
+            <a:r>
+              <a:rPr lang="en-US" dirty="0"/>
+              <a:t>Write </a:t>
+            </a:r>
+            <a:r>
+              <a:rPr lang="en-US" dirty="0" err="1"/>
+              <a:t>bt</a:t>
+            </a:r>
+            <a:r>
+              <a:rPr lang="en-US" dirty="0"/>
+              <a:t>-recur, which abstracts “</a:t>
+            </a:r>
+            <a:r>
+              <a:rPr lang="en-US" dirty="0" err="1"/>
+              <a:t>bt</a:t>
+            </a:r>
+            <a:r>
+              <a:rPr lang="en-US" dirty="0"/>
+              <a:t>” functions, and use it to write two procedures.</a:t>
+            </a:r>
+          </a:p>
+        </p:txBody>
+      </p:sp>
+    </p:spTree>
+    <p:extLst>
+      <p:ext uri="{BB962C8B-B14F-4D97-AF65-F5344CB8AC3E}">
+        <p14:creationId xmlns:p14="http://schemas.microsoft.com/office/powerpoint/2010/main" val="3556335133"/>
+      </p:ext>
+    </p:extLst>
+  </p:cSld>
+  <p:clrMapOvr>
+    <a:masterClrMapping/>
+  </p:clrMapOvr>
+</p:sld>
+</file>
+
+<file path=ppt/slides/slide7.xml><?xml version="1.0" encoding="utf-8"?>
+<p:sld xmlns:a="http://schemas.openxmlformats.org/drawingml/2006/main" xmlns:r="http://schemas.openxmlformats.org/officeDocument/2006/relationships" xmlns:p="http://schemas.openxmlformats.org/presentationml/2006/main">
+  <p:cSld>
+    <p:spTree>
+      <p:nvGrpSpPr>
+        <p:cNvPr id="1" name=""/>
+        <p:cNvGrpSpPr/>
+        <p:nvPr/>
+      </p:nvGrpSpPr>
+      <p:grpSpPr>
+        <a:xfrm>
+          <a:off x="0" y="0"/>
+          <a:ext cx="0" cy="0"/>
+          <a:chOff x="0" y="0"/>
+          <a:chExt cx="0" cy="0"/>
+        </a:xfrm>
+      </p:grpSpPr>
+      <p:sp>
+        <p:nvSpPr>
+          <p:cNvPr id="2" name="Title 1">
+            <a:extLst>
+              <a:ext uri="{FF2B5EF4-FFF2-40B4-BE49-F238E27FC236}">
                 <a16:creationId xmlns:a16="http://schemas.microsoft.com/office/drawing/2014/main" id="{5F7E5CD9-C4CE-482C-97B2-BDBFE83B986D}"/>
               </a:ext>
             </a:extLst>
@@ -7576,7 +7698,7 @@
 </p:sld>
 </file>
 
-<file path=ppt/slides/slide7.xml><?xml version="1.0" encoding="utf-8"?>
+<file path=ppt/slides/slide8.xml><?xml version="1.0" encoding="utf-8"?>
 <p:sld xmlns:a="http://schemas.openxmlformats.org/drawingml/2006/main" xmlns:r="http://schemas.openxmlformats.org/officeDocument/2006/relationships" xmlns:p="http://schemas.openxmlformats.org/presentationml/2006/main" showMasterPhAnim="0">
   <p:cSld>
     <p:spTree>
